--- a/Steganography ppt.pptx
+++ b/Steganography ppt.pptx
@@ -399,7 +399,7 @@
           <a:p>
             <a:fld id="{46256A78-79A6-408F-8148-4F87BB81602D}" type="datetimeFigureOut">
               <a:rPr lang="en-IN" smtClean="0"/>
-              <a:t>17-02-2025</a:t>
+              <a:t>24-02-2025</a:t>
             </a:fld>
             <a:endParaRPr lang="en-IN"/>
           </a:p>
@@ -903,7 +903,7 @@
           <a:p>
             <a:fld id="{ED291B17-9318-49DB-B28B-6E5994AE9581}" type="datetime1">
               <a:rPr lang="en-US" smtClean="0"/>
-              <a:t>2/17/2025</a:t>
+              <a:t>2/24/2025</a:t>
             </a:fld>
             <a:endParaRPr lang="en-US"/>
           </a:p>
@@ -1112,7 +1112,7 @@
           <a:p>
             <a:fld id="{2CED4963-E985-44C4-B8C4-FDD613B7C2F8}" type="datetime1">
               <a:rPr lang="en-US" smtClean="0"/>
-              <a:t>2/17/2025</a:t>
+              <a:t>2/24/2025</a:t>
             </a:fld>
             <a:endParaRPr lang="en-US"/>
           </a:p>
@@ -1480,7 +1480,7 @@
           <a:p>
             <a:fld id="{ED291B17-9318-49DB-B28B-6E5994AE9581}" type="datetime1">
               <a:rPr lang="en-US" smtClean="0"/>
-              <a:t>2/17/2025</a:t>
+              <a:t>2/24/2025</a:t>
             </a:fld>
             <a:endParaRPr lang="en-US"/>
           </a:p>
@@ -1684,7 +1684,7 @@
           <a:p>
             <a:fld id="{78DD82B9-B8EE-4375-B6FF-88FA6ABB15D9}" type="datetime1">
               <a:rPr lang="en-US" smtClean="0"/>
-              <a:t>2/17/2025</a:t>
+              <a:t>2/24/2025</a:t>
             </a:fld>
             <a:endParaRPr lang="en-US"/>
           </a:p>
@@ -1941,7 +1941,7 @@
           <a:p>
             <a:fld id="{B2497495-0637-405E-AE64-5CC7506D51F5}" type="datetime1">
               <a:rPr lang="en-US" smtClean="0"/>
-              <a:t>2/17/2025</a:t>
+              <a:t>2/24/2025</a:t>
             </a:fld>
             <a:endParaRPr lang="en-US"/>
           </a:p>
@@ -2199,7 +2199,7 @@
           <a:p>
             <a:fld id="{7BFFD690-9426-415D-8B65-26881E07B2D4}" type="datetime1">
               <a:rPr lang="en-US" smtClean="0"/>
-              <a:t>2/17/2025</a:t>
+              <a:t>2/24/2025</a:t>
             </a:fld>
             <a:endParaRPr lang="en-US"/>
           </a:p>
@@ -2626,7 +2626,7 @@
           <a:p>
             <a:fld id="{04C4989A-474C-40DE-95B9-011C28B71673}" type="datetime1">
               <a:rPr lang="en-US" smtClean="0"/>
-              <a:t>2/17/2025</a:t>
+              <a:t>2/24/2025</a:t>
             </a:fld>
             <a:endParaRPr lang="en-US"/>
           </a:p>
@@ -2756,7 +2756,7 @@
           <a:p>
             <a:fld id="{5DB4ED54-5B5E-4A04-93D3-5772E3CE3818}" type="datetime1">
               <a:rPr lang="en-US" smtClean="0"/>
-              <a:t>2/17/2025</a:t>
+              <a:t>2/24/2025</a:t>
             </a:fld>
             <a:endParaRPr lang="en-US"/>
           </a:p>
@@ -2859,7 +2859,7 @@
           <a:p>
             <a:fld id="{4EDE50D6-574B-40AF-946F-D52A04ADE379}" type="datetime1">
               <a:rPr lang="en-US" smtClean="0"/>
-              <a:t>2/17/2025</a:t>
+              <a:t>2/24/2025</a:t>
             </a:fld>
             <a:endParaRPr lang="en-US"/>
           </a:p>
@@ -3242,7 +3242,7 @@
           <a:p>
             <a:fld id="{D82884F1-FFEA-405F-9602-3DCA865EDA4E}" type="datetime1">
               <a:rPr lang="en-US" smtClean="0"/>
-              <a:t>2/17/2025</a:t>
+              <a:t>2/24/2025</a:t>
             </a:fld>
             <a:endParaRPr lang="en-US"/>
           </a:p>
@@ -3536,7 +3536,7 @@
           <a:p>
             <a:fld id="{7E18DB4A-8810-4A10-AD5C-D5E2C667F5B3}" type="datetime1">
               <a:rPr lang="en-US" smtClean="0"/>
-              <a:t>2/17/2025</a:t>
+              <a:t>2/24/2025</a:t>
             </a:fld>
             <a:endParaRPr lang="en-US"/>
           </a:p>
@@ -3757,7 +3757,7 @@
           <a:p>
             <a:fld id="{ED291B17-9318-49DB-B28B-6E5994AE9581}" type="datetime1">
               <a:rPr lang="en-US" smtClean="0"/>
-              <a:t>2/17/2025</a:t>
+              <a:t>2/24/2025</a:t>
             </a:fld>
             <a:endParaRPr lang="en-US"/>
           </a:p>
@@ -4404,7 +4404,9 @@
           </a:xfrm>
         </p:spPr>
         <p:txBody>
-          <a:bodyPr/>
+          <a:bodyPr>
+            <a:normAutofit fontScale="90000"/>
+          </a:bodyPr>
           <a:lstStyle/>
           <a:p>
             <a:pPr algn="ctr"/>
@@ -4416,7 +4418,7 @@
                 <a:latin typeface="Arial" panose="020B0604020202020204" pitchFamily="34" charset="0"/>
                 <a:cs typeface="Arial" panose="020B0604020202020204" pitchFamily="34" charset="0"/>
               </a:rPr>
-              <a:t>PROJECT TITLE</a:t>
+              <a:t>SECURE DATA HIDING IN IMAGES USING STEGANOGRAPHY</a:t>
             </a:r>
           </a:p>
         </p:txBody>
@@ -6635,20 +6637,41 @@
             <p:ph idx="1"/>
           </p:nvPr>
         </p:nvSpPr>
-        <p:spPr/>
+        <p:spPr>
+          <a:xfrm>
+            <a:off x="581192" y="1310338"/>
+            <a:ext cx="11029615" cy="4673324"/>
+          </a:xfrm>
+        </p:spPr>
         <p:txBody>
           <a:bodyPr>
             <a:normAutofit/>
           </a:bodyPr>
           <a:lstStyle/>
           <a:p>
-            <a:pPr marL="0" indent="0">
+            <a:pPr marL="0" indent="0" algn="ctr">
               <a:buNone/>
             </a:pPr>
             <a:r>
-              <a:rPr lang="en-IN" sz="2800" b="1" dirty="0"/>
+              <a:rPr lang="en-IN" sz="2800" b="1" dirty="0">
+                <a:solidFill>
+                  <a:srgbClr val="FF0000"/>
+                </a:solidFill>
+                <a:hlinkClick r:id="rId2">
+                  <a:extLst>
+                    <a:ext uri="{A12FA001-AC4F-418D-AE19-62706E023703}">
+                      <ahyp:hlinkClr xmlns:ahyp="http://schemas.microsoft.com/office/drawing/2018/hyperlinkcolor" val="tx"/>
+                    </a:ext>
+                  </a:extLst>
+                </a:hlinkClick>
+              </a:rPr>
               <a:t>https://github.com/pasalasravan/steganography-Aicte-project.git</a:t>
             </a:r>
+            <a:endParaRPr lang="en-IN" sz="2800" b="1" dirty="0">
+              <a:solidFill>
+                <a:srgbClr val="FF0000"/>
+              </a:solidFill>
+            </a:endParaRPr>
           </a:p>
         </p:txBody>
       </p:sp>
@@ -7230,15 +7253,6 @@
 </file>
 
 <file path=customXml/item1.xml><?xml version="1.0" encoding="utf-8"?>
-<?mso-contentType ?>
-<FormTemplates xmlns="http://schemas.microsoft.com/sharepoint/v3/contenttype/forms">
-  <Display>DocumentLibraryForm</Display>
-  <Edit>DocumentLibraryForm</Edit>
-  <New>DocumentLibraryForm</New>
-</FormTemplates>
-</file>
-
-<file path=customXml/item2.xml><?xml version="1.0" encoding="utf-8"?>
 <ct:contentTypeSchema xmlns:ct="http://schemas.microsoft.com/office/2006/metadata/contentType" xmlns:ma="http://schemas.microsoft.com/office/2006/metadata/properties/metaAttributes" ct:_="" ma:_="" ma:contentTypeName="Document" ma:contentTypeID="0x0101007F0268AC5E70984D8FE60B7154176407" ma:contentTypeVersion="15" ma:contentTypeDescription="Create a new document." ma:contentTypeScope="" ma:versionID="104e359103f0f57b1cf9676756e5b944">
   <xsd:schema xmlns:xsd="http://www.w3.org/2001/XMLSchema" xmlns:xs="http://www.w3.org/2001/XMLSchema" xmlns:p="http://schemas.microsoft.com/office/2006/metadata/properties" xmlns:ns3="b30265f8-c5e2-4918-b4a1-b977299ca3e2" xmlns:ns4="fadb41d3-f9cb-40fb-903c-8cacaba95bb5" targetNamespace="http://schemas.microsoft.com/office/2006/metadata/properties" ma:root="true" ma:fieldsID="5615b8f8aa772998bad551f24a33de0e" ns3:_="" ns4:_="">
     <xsd:import namespace="b30265f8-c5e2-4918-b4a1-b977299ca3e2"/>
@@ -7471,6 +7485,15 @@
 </ct:contentTypeSchema>
 </file>
 
+<file path=customXml/item2.xml><?xml version="1.0" encoding="utf-8"?>
+<?mso-contentType ?>
+<FormTemplates xmlns="http://schemas.microsoft.com/sharepoint/v3/contenttype/forms">
+  <Display>DocumentLibraryForm</Display>
+  <Edit>DocumentLibraryForm</Edit>
+  <New>DocumentLibraryForm</New>
+</FormTemplates>
+</file>
+
 <file path=customXml/item3.xml><?xml version="1.0" encoding="utf-8"?>
 <p:properties xmlns:p="http://schemas.microsoft.com/office/2006/metadata/properties" xmlns:xsi="http://www.w3.org/2001/XMLSchema-instance" xmlns:pc="http://schemas.microsoft.com/office/infopath/2007/PartnerControls">
   <documentManagement>
@@ -7480,14 +7503,6 @@
 </file>
 
 <file path=customXml/itemProps1.xml><?xml version="1.0" encoding="utf-8"?>
-<ds:datastoreItem xmlns:ds="http://schemas.openxmlformats.org/officeDocument/2006/customXml" ds:itemID="{927BD4C1-B6B1-4715-ABF9-E660A51A4EA0}">
-  <ds:schemaRefs>
-    <ds:schemaRef ds:uri="http://schemas.microsoft.com/sharepoint/v3/contenttype/forms"/>
-  </ds:schemaRefs>
-</ds:datastoreItem>
-</file>
-
-<file path=customXml/itemProps2.xml><?xml version="1.0" encoding="utf-8"?>
 <ds:datastoreItem xmlns:ds="http://schemas.openxmlformats.org/officeDocument/2006/customXml" ds:itemID="{9DD71778-17EE-4151-88AE-C8F4E8043BD9}">
   <ds:schemaRefs>
     <ds:schemaRef ds:uri="http://schemas.microsoft.com/office/2006/metadata/contentType"/>
@@ -7502,6 +7517,14 @@
     <ds:schemaRef ds:uri="http://purl.org/dc/elements/1.1/"/>
     <ds:schemaRef ds:uri="http://purl.org/dc/terms/"/>
     <ds:schemaRef ds:uri="http://schemas.microsoft.com/internal/obd"/>
+  </ds:schemaRefs>
+</ds:datastoreItem>
+</file>
+
+<file path=customXml/itemProps2.xml><?xml version="1.0" encoding="utf-8"?>
+<ds:datastoreItem xmlns:ds="http://schemas.openxmlformats.org/officeDocument/2006/customXml" ds:itemID="{927BD4C1-B6B1-4715-ABF9-E660A51A4EA0}">
+  <ds:schemaRefs>
+    <ds:schemaRef ds:uri="http://schemas.microsoft.com/sharepoint/v3/contenttype/forms"/>
   </ds:schemaRefs>
 </ds:datastoreItem>
 </file>
